--- a/Syllabus - DSC with Python and R.pptx
+++ b/Syllabus - DSC with Python and R.pptx
@@ -249,7 +249,7 @@
           <a:p>
             <a:fld id="{4CC74553-89D6-49A8-8C94-46BDF8A3EF4C}" type="datetimeFigureOut">
               <a:rPr lang="en-US" smtClean="0"/>
-              <a:t>11/16/2022</a:t>
+              <a:t>12/18/2022</a:t>
             </a:fld>
             <a:endParaRPr lang="en-US"/>
           </a:p>
@@ -419,7 +419,7 @@
           <a:p>
             <a:fld id="{4CC74553-89D6-49A8-8C94-46BDF8A3EF4C}" type="datetimeFigureOut">
               <a:rPr lang="en-US" smtClean="0"/>
-              <a:t>11/16/2022</a:t>
+              <a:t>12/18/2022</a:t>
             </a:fld>
             <a:endParaRPr lang="en-US"/>
           </a:p>
@@ -599,7 +599,7 @@
           <a:p>
             <a:fld id="{4CC74553-89D6-49A8-8C94-46BDF8A3EF4C}" type="datetimeFigureOut">
               <a:rPr lang="en-US" smtClean="0"/>
-              <a:t>11/16/2022</a:t>
+              <a:t>12/18/2022</a:t>
             </a:fld>
             <a:endParaRPr lang="en-US"/>
           </a:p>
@@ -769,7 +769,7 @@
           <a:p>
             <a:fld id="{4CC74553-89D6-49A8-8C94-46BDF8A3EF4C}" type="datetimeFigureOut">
               <a:rPr lang="en-US" smtClean="0"/>
-              <a:t>11/16/2022</a:t>
+              <a:t>12/18/2022</a:t>
             </a:fld>
             <a:endParaRPr lang="en-US"/>
           </a:p>
@@ -1015,7 +1015,7 @@
           <a:p>
             <a:fld id="{4CC74553-89D6-49A8-8C94-46BDF8A3EF4C}" type="datetimeFigureOut">
               <a:rPr lang="en-US" smtClean="0"/>
-              <a:t>11/16/2022</a:t>
+              <a:t>12/18/2022</a:t>
             </a:fld>
             <a:endParaRPr lang="en-US"/>
           </a:p>
@@ -1247,7 +1247,7 @@
           <a:p>
             <a:fld id="{4CC74553-89D6-49A8-8C94-46BDF8A3EF4C}" type="datetimeFigureOut">
               <a:rPr lang="en-US" smtClean="0"/>
-              <a:t>11/16/2022</a:t>
+              <a:t>12/18/2022</a:t>
             </a:fld>
             <a:endParaRPr lang="en-US"/>
           </a:p>
@@ -1614,7 +1614,7 @@
           <a:p>
             <a:fld id="{4CC74553-89D6-49A8-8C94-46BDF8A3EF4C}" type="datetimeFigureOut">
               <a:rPr lang="en-US" smtClean="0"/>
-              <a:t>11/16/2022</a:t>
+              <a:t>12/18/2022</a:t>
             </a:fld>
             <a:endParaRPr lang="en-US"/>
           </a:p>
@@ -1732,7 +1732,7 @@
           <a:p>
             <a:fld id="{4CC74553-89D6-49A8-8C94-46BDF8A3EF4C}" type="datetimeFigureOut">
               <a:rPr lang="en-US" smtClean="0"/>
-              <a:t>11/16/2022</a:t>
+              <a:t>12/18/2022</a:t>
             </a:fld>
             <a:endParaRPr lang="en-US"/>
           </a:p>
@@ -1827,7 +1827,7 @@
           <a:p>
             <a:fld id="{4CC74553-89D6-49A8-8C94-46BDF8A3EF4C}" type="datetimeFigureOut">
               <a:rPr lang="en-US" smtClean="0"/>
-              <a:t>11/16/2022</a:t>
+              <a:t>12/18/2022</a:t>
             </a:fld>
             <a:endParaRPr lang="en-US"/>
           </a:p>
@@ -2104,7 +2104,7 @@
           <a:p>
             <a:fld id="{4CC74553-89D6-49A8-8C94-46BDF8A3EF4C}" type="datetimeFigureOut">
               <a:rPr lang="en-US" smtClean="0"/>
-              <a:t>11/16/2022</a:t>
+              <a:t>12/18/2022</a:t>
             </a:fld>
             <a:endParaRPr lang="en-US"/>
           </a:p>
@@ -2357,7 +2357,7 @@
           <a:p>
             <a:fld id="{4CC74553-89D6-49A8-8C94-46BDF8A3EF4C}" type="datetimeFigureOut">
               <a:rPr lang="en-US" smtClean="0"/>
-              <a:t>11/16/2022</a:t>
+              <a:t>12/18/2022</a:t>
             </a:fld>
             <a:endParaRPr lang="en-US"/>
           </a:p>
@@ -2570,7 +2570,7 @@
           <a:p>
             <a:fld id="{4CC74553-89D6-49A8-8C94-46BDF8A3EF4C}" type="datetimeFigureOut">
               <a:rPr lang="en-US" smtClean="0"/>
-              <a:t>11/16/2022</a:t>
+              <a:t>12/18/2022</a:t>
             </a:fld>
             <a:endParaRPr lang="en-US"/>
           </a:p>
@@ -3102,32 +3102,60 @@
           <a:lstStyle/>
           <a:p>
             <a:r>
-              <a:rPr lang="en-US" dirty="0" smtClean="0"/>
+              <a:rPr lang="en-US" dirty="0" smtClean="0">
+                <a:solidFill>
+                  <a:srgbClr val="00B050"/>
+                </a:solidFill>
+              </a:rPr>
               <a:t>Concept of Data Driven Science , </a:t>
             </a:r>
           </a:p>
           <a:p>
-            <a:endParaRPr lang="en-US" dirty="0" smtClean="0"/>
-          </a:p>
-          <a:p>
-            <a:r>
-              <a:rPr lang="en-US" dirty="0" smtClean="0"/>
+            <a:endParaRPr lang="en-US" dirty="0" smtClean="0">
+              <a:solidFill>
+                <a:srgbClr val="00B050"/>
+              </a:solidFill>
+            </a:endParaRPr>
+          </a:p>
+          <a:p>
+            <a:r>
+              <a:rPr lang="en-US" dirty="0" smtClean="0">
+                <a:solidFill>
+                  <a:srgbClr val="00B050"/>
+                </a:solidFill>
+              </a:rPr>
               <a:t>Flow process for data science problems (crisp-</a:t>
             </a:r>
             <a:r>
-              <a:rPr lang="en-US" dirty="0" err="1" smtClean="0"/>
+              <a:rPr lang="en-US" dirty="0" err="1" smtClean="0">
+                <a:solidFill>
+                  <a:srgbClr val="00B050"/>
+                </a:solidFill>
+              </a:rPr>
               <a:t>dm</a:t>
             </a:r>
             <a:r>
-              <a:rPr lang="en-US" dirty="0" smtClean="0"/>
+              <a:rPr lang="en-US" dirty="0" smtClean="0">
+                <a:solidFill>
+                  <a:srgbClr val="00B050"/>
+                </a:solidFill>
+              </a:rPr>
               <a:t>,  </a:t>
             </a:r>
             <a:r>
-              <a:rPr lang="en-US" dirty="0" err="1" smtClean="0"/>
+              <a:rPr lang="en-US" dirty="0" err="1" smtClean="0">
+                <a:solidFill>
+                  <a:srgbClr val="00B050"/>
+                </a:solidFill>
+              </a:rPr>
               <a:t>oesmn</a:t>
             </a:r>
             <a:r>
-              <a:rPr lang="en-US" dirty="0" smtClean="0"/>
+              <a:rPr lang="en-US" dirty="0" smtClean="0">
+                <a:solidFill>
+                  <a:srgbClr val="00B050"/>
+                </a:solidFill>
+              </a:rPr>
               <a:t>), </a:t>
             </a:r>
           </a:p>
@@ -3135,25 +3163,43 @@
             <a:pPr lvl="1"/>
             <a:r>
               <a:rPr lang="en-US" dirty="0">
+                <a:solidFill>
+                  <a:srgbClr val="00B050"/>
+                </a:solidFill>
                 <a:hlinkClick r:id="rId2"/>
               </a:rPr>
               <a:t>https://www.springboard.com/blog/data-science/data-science-process</a:t>
             </a:r>
             <a:r>
               <a:rPr lang="en-US" dirty="0" smtClean="0">
+                <a:solidFill>
+                  <a:srgbClr val="00B050"/>
+                </a:solidFill>
                 <a:hlinkClick r:id="rId2"/>
               </a:rPr>
               <a:t>/</a:t>
             </a:r>
-            <a:endParaRPr lang="en-US" dirty="0" smtClean="0"/>
+            <a:endParaRPr lang="en-US" dirty="0" smtClean="0">
+              <a:solidFill>
+                <a:srgbClr val="00B050"/>
+              </a:solidFill>
+            </a:endParaRPr>
           </a:p>
           <a:p>
             <a:pPr lvl="1"/>
-            <a:endParaRPr lang="en-US" dirty="0" smtClean="0"/>
-          </a:p>
-          <a:p>
-            <a:r>
-              <a:rPr lang="en-US" dirty="0" smtClean="0"/>
+            <a:endParaRPr lang="en-US" dirty="0" smtClean="0">
+              <a:solidFill>
+                <a:srgbClr val="00B050"/>
+              </a:solidFill>
+            </a:endParaRPr>
+          </a:p>
+          <a:p>
+            <a:r>
+              <a:rPr lang="en-US" dirty="0" smtClean="0">
+                <a:solidFill>
+                  <a:srgbClr val="00B050"/>
+                </a:solidFill>
+              </a:rPr>
               <a:t>Data Science problems and a solution framework , </a:t>
             </a:r>
           </a:p>
@@ -3171,16 +3217,28 @@
           </a:p>
           <a:p>
             <a:r>
-              <a:rPr lang="en-US" dirty="0" smtClean="0"/>
+              <a:rPr lang="en-US" dirty="0" smtClean="0">
+                <a:solidFill>
+                  <a:srgbClr val="00B0F0"/>
+                </a:solidFill>
+              </a:rPr>
               <a:t>Machine Learning(ML)-Life Cycle &amp; Applications ,</a:t>
             </a:r>
           </a:p>
           <a:p>
-            <a:endParaRPr lang="en-US" dirty="0" smtClean="0"/>
-          </a:p>
-          <a:p>
-            <a:r>
-              <a:rPr lang="en-US" dirty="0" smtClean="0"/>
+            <a:endParaRPr lang="en-US" dirty="0" smtClean="0">
+              <a:solidFill>
+                <a:srgbClr val="00B0F0"/>
+              </a:solidFill>
+            </a:endParaRPr>
+          </a:p>
+          <a:p>
+            <a:r>
+              <a:rPr lang="en-US" dirty="0" smtClean="0">
+                <a:solidFill>
+                  <a:srgbClr val="00B0F0"/>
+                </a:solidFill>
+              </a:rPr>
               <a:t>Data Science,  Analytics, and Data Mining, </a:t>
             </a:r>
           </a:p>
@@ -3284,15 +3342,7 @@
           <a:p>
             <a:r>
               <a:rPr lang="en-US" dirty="0" smtClean="0"/>
-              <a:t>Reading data from different sources , Reading data from a database , Exploring and  </a:t>
-            </a:r>
-            <a:r>
-              <a:rPr lang="en-US" dirty="0" smtClean="0"/>
-              <a:t>Summarizing </a:t>
-            </a:r>
-            <a:r>
-              <a:rPr lang="en-US" dirty="0" smtClean="0"/>
-              <a:t>Data, Transforming Data, Presenting Data, , Data pre-processing  techniques , Performing data operations </a:t>
+              <a:t>Reading data from different sources , Reading data from a database , Exploring and  Summarizing Data, Transforming Data, Presenting Data, , Data pre-processing  techniques , Performing data operations </a:t>
             </a:r>
           </a:p>
           <a:p>
@@ -3355,7 +3405,19 @@
             </a:r>
             <a:r>
               <a:rPr lang="en-IN" dirty="0" smtClean="0"/>
-              <a:t> Python</a:t>
+              <a:t> </a:t>
+            </a:r>
+            <a:r>
+              <a:rPr lang="en-IN" dirty="0" smtClean="0"/>
+              <a:t>Python (10 </a:t>
+            </a:r>
+            <a:r>
+              <a:rPr lang="en-IN" dirty="0" err="1" smtClean="0"/>
+              <a:t>hrs</a:t>
+            </a:r>
+            <a:r>
+              <a:rPr lang="en-IN" dirty="0" smtClean="0"/>
+              <a:t>)</a:t>
             </a:r>
             <a:endParaRPr lang="en-IN" dirty="0"/>
           </a:p>
@@ -3376,6 +3438,10 @@
           <a:bodyPr/>
           <a:lstStyle/>
           <a:p>
+            <a:r>
+              <a:rPr lang="en-IN" dirty="0" smtClean="0"/>
+              <a:t>40</a:t>
+            </a:r>
             <a:endParaRPr lang="en-IN" dirty="0"/>
           </a:p>
         </p:txBody>
